--- a/ARIANA cv powerpoint.pptx
+++ b/ARIANA cv powerpoint.pptx
@@ -4285,7 +4285,7 @@
         <p:spPr>
           <a:xfrm>
             <a:off x="3896827" y="5788400"/>
-            <a:ext cx="2905531" cy="202438"/>
+            <a:ext cx="2905531" cy="179536"/>
           </a:xfrm>
           <a:prstGeom prst="rect">
             <a:avLst/>
@@ -4303,13 +4303,13 @@
               </a:lnSpc>
             </a:pPr>
             <a:r>
-              <a:rPr lang="en-US" sz="1299" spc="155">
+              <a:rPr lang="en-US" sz="1299" spc="155" dirty="0">
                 <a:solidFill>
                   <a:srgbClr val="222222"/>
                 </a:solidFill>
                 <a:latin typeface="Lato Heavy"/>
               </a:rPr>
-              <a:t>LANGUAGE</a:t>
+              <a:t>SKILLS</a:t>
             </a:r>
           </a:p>
         </p:txBody>
@@ -4323,7 +4323,7 @@
         <p:spPr>
           <a:xfrm>
             <a:off x="3496904" y="6137051"/>
-            <a:ext cx="3307096" cy="215265"/>
+            <a:ext cx="3307096" cy="709553"/>
           </a:xfrm>
           <a:prstGeom prst="rect">
             <a:avLst/>
@@ -4341,37 +4341,15 @@
               </a:lnSpc>
             </a:pPr>
             <a:r>
-              <a:rPr lang="en-US" sz="1199" spc="95">
+              <a:rPr lang="en-US" sz="1199" spc="95" dirty="0">
                 <a:solidFill>
                   <a:srgbClr val="222222"/>
                 </a:solidFill>
                 <a:latin typeface="Lora"/>
               </a:rPr>
-              <a:t>Native English.</a:t>
-            </a:r>
-          </a:p>
-        </p:txBody>
-      </p:sp>
-      <p:sp>
-        <p:nvSpPr>
-          <p:cNvPr id="33" name="TextBox 33"/>
-          <p:cNvSpPr txBox="1"/>
-          <p:nvPr/>
-        </p:nvSpPr>
-        <p:spPr>
-          <a:xfrm>
-            <a:off x="3495262" y="6407123"/>
-            <a:ext cx="3307096" cy="215265"/>
-          </a:xfrm>
-          <a:prstGeom prst="rect">
-            <a:avLst/>
-          </a:prstGeom>
-        </p:spPr>
-        <p:txBody>
-          <a:bodyPr lIns="0" tIns="0" rIns="0" bIns="0" rtlCol="0" anchor="t">
-            <a:spAutoFit/>
-          </a:bodyPr>
-          <a:lstStyle/>
+              <a:t>Leadership</a:t>
+            </a:r>
+          </a:p>
           <a:p>
             <a:pPr>
               <a:lnSpc>
@@ -4379,13 +4357,29 @@
               </a:lnSpc>
             </a:pPr>
             <a:r>
-              <a:rPr lang="en-US" sz="1199" spc="95">
+              <a:rPr lang="en-US" sz="1199" spc="95" dirty="0">
                 <a:solidFill>
                   <a:srgbClr val="222222"/>
                 </a:solidFill>
                 <a:latin typeface="Lora"/>
               </a:rPr>
-              <a:t>Advanced spanish.</a:t>
+              <a:t>Critical Thinking</a:t>
+            </a:r>
+          </a:p>
+          <a:p>
+            <a:pPr>
+              <a:lnSpc>
+                <a:spcPts val="1919"/>
+              </a:lnSpc>
+            </a:pPr>
+            <a:r>
+              <a:rPr lang="en-US" sz="1199" spc="95" dirty="0">
+                <a:solidFill>
+                  <a:srgbClr val="222222"/>
+                </a:solidFill>
+                <a:latin typeface="Lora"/>
+              </a:rPr>
+              <a:t>Public Speech </a:t>
             </a:r>
           </a:p>
         </p:txBody>
